--- a/samples/test.pptx
+++ b/samples/test.pptx
@@ -106,7 +106,57 @@
       </a:defRPr>
     </a:lvl9pPr>
   </p:defaultTextStyle>
+  <p:extLst>
+    <p:ext uri="{EFAFB233-063F-42B5-8137-9DF3F51BA10A}">
+      <p15:sldGuideLst xmlns:p15="http://schemas.microsoft.com/office/powerpoint/2012/main"/>
+    </p:ext>
+  </p:extLst>
 </p:presentation>
+</file>
+
+<file path=ppt/revisionInfo.xml><?xml version="1.0" encoding="utf-8"?>
+<p1510:revInfo xmlns:a="http://schemas.openxmlformats.org/drawingml/2006/main" xmlns:r="http://schemas.openxmlformats.org/officeDocument/2006/relationships" xmlns:p1510="http://schemas.microsoft.com/office/powerpoint/2015/10/main">
+  <p1510:revLst>
+    <p1510:client id="{A6B41128-342B-4448-AD35-1DFA0C3284AB}" v="35" dt="2025-01-11T14:37:58.521"/>
+  </p1510:revLst>
+</p1510:revInfo>
+</file>
+
+<file path=ppt/changesInfos/changesInfo1.xml><?xml version="1.0" encoding="utf-8"?>
+<pc:chgInfo xmlns:a="http://schemas.openxmlformats.org/drawingml/2006/main" xmlns:r="http://schemas.openxmlformats.org/officeDocument/2006/relationships" xmlns:ac="http://schemas.microsoft.com/office/drawing/2013/main/command" xmlns:pc="http://schemas.microsoft.com/office/powerpoint/2013/main/command">
+  <pc:docChgLst>
+    <pc:chgData name="Stephan ACQUATELLA" userId="d816016e445d193e" providerId="Windows Live" clId="Web-{A6B41128-342B-4448-AD35-1DFA0C3284AB}"/>
+    <pc:docChg chg="modSld">
+      <pc:chgData name="Stephan ACQUATELLA" userId="d816016e445d193e" providerId="Windows Live" clId="Web-{A6B41128-342B-4448-AD35-1DFA0C3284AB}" dt="2025-01-11T14:37:58.521" v="27" actId="20577"/>
+      <pc:docMkLst>
+        <pc:docMk/>
+      </pc:docMkLst>
+      <pc:sldChg chg="modSp">
+        <pc:chgData name="Stephan ACQUATELLA" userId="d816016e445d193e" providerId="Windows Live" clId="Web-{A6B41128-342B-4448-AD35-1DFA0C3284AB}" dt="2025-01-11T14:37:58.521" v="27" actId="20577"/>
+        <pc:sldMkLst>
+          <pc:docMk/>
+          <pc:sldMk cId="102119361" sldId="258"/>
+        </pc:sldMkLst>
+        <pc:spChg chg="mod">
+          <ac:chgData name="Stephan ACQUATELLA" userId="d816016e445d193e" providerId="Windows Live" clId="Web-{A6B41128-342B-4448-AD35-1DFA0C3284AB}" dt="2025-01-11T14:37:58.521" v="27" actId="20577"/>
+          <ac:spMkLst>
+            <pc:docMk/>
+            <pc:sldMk cId="102119361" sldId="258"/>
+            <ac:spMk id="4" creationId="{F50A2EE7-BC1D-A862-59C4-6505F9FBD5E9}"/>
+          </ac:spMkLst>
+        </pc:spChg>
+        <pc:picChg chg="mod">
+          <ac:chgData name="Stephan ACQUATELLA" userId="d816016e445d193e" providerId="Windows Live" clId="Web-{A6B41128-342B-4448-AD35-1DFA0C3284AB}" dt="2025-01-11T14:36:48.237" v="23" actId="1076"/>
+          <ac:picMkLst>
+            <pc:docMk/>
+            <pc:sldMk cId="102119361" sldId="258"/>
+            <ac:picMk id="5" creationId="{559FCB6C-8791-253D-9E94-7513F8B35CF9}"/>
+          </ac:picMkLst>
+        </pc:picChg>
+      </pc:sldChg>
+    </pc:docChg>
+  </pc:docChgLst>
+</pc:chgInfo>
 </file>
 
 <file path=ppt/slideLayouts/slideLayout1.xml><?xml version="1.0" encoding="utf-8"?>
@@ -240,7 +290,7 @@
           <a:p>
             <a:fld id="{C764DE79-268F-4C1A-8933-263129D2AF90}" type="datetimeFigureOut">
               <a:rPr lang="en-US" dirty="0"/>
-              <a:t>1/9/25</a:t>
+              <a:t>1/11/2025</a:t>
             </a:fld>
             <a:endParaRPr lang="en-US" dirty="0"/>
           </a:p>
@@ -405,7 +455,7 @@
           <a:p>
             <a:fld id="{C764DE79-268F-4C1A-8933-263129D2AF90}" type="datetimeFigureOut">
               <a:rPr lang="en-US" dirty="0"/>
-              <a:t>1/9/25</a:t>
+              <a:t>1/11/2025</a:t>
             </a:fld>
             <a:endParaRPr lang="en-US" dirty="0"/>
           </a:p>
@@ -580,7 +630,7 @@
           <a:p>
             <a:fld id="{C764DE79-268F-4C1A-8933-263129D2AF90}" type="datetimeFigureOut">
               <a:rPr lang="en-US" dirty="0"/>
-              <a:t>1/9/25</a:t>
+              <a:t>1/11/2025</a:t>
             </a:fld>
             <a:endParaRPr lang="en-US" dirty="0"/>
           </a:p>
@@ -745,7 +795,7 @@
           <a:p>
             <a:fld id="{C764DE79-268F-4C1A-8933-263129D2AF90}" type="datetimeFigureOut">
               <a:rPr lang="en-US" dirty="0"/>
-              <a:t>1/9/25</a:t>
+              <a:t>1/11/2025</a:t>
             </a:fld>
             <a:endParaRPr lang="en-US" dirty="0"/>
           </a:p>
@@ -986,7 +1036,7 @@
           <a:p>
             <a:fld id="{C764DE79-268F-4C1A-8933-263129D2AF90}" type="datetimeFigureOut">
               <a:rPr lang="en-US" dirty="0"/>
-              <a:t>1/9/25</a:t>
+              <a:t>1/11/2025</a:t>
             </a:fld>
             <a:endParaRPr lang="en-US" dirty="0"/>
           </a:p>
@@ -1213,7 +1263,7 @@
           <a:p>
             <a:fld id="{C764DE79-268F-4C1A-8933-263129D2AF90}" type="datetimeFigureOut">
               <a:rPr lang="en-US" dirty="0"/>
-              <a:t>1/9/25</a:t>
+              <a:t>1/11/2025</a:t>
             </a:fld>
             <a:endParaRPr lang="en-US" dirty="0"/>
           </a:p>
@@ -1575,7 +1625,7 @@
           <a:p>
             <a:fld id="{C764DE79-268F-4C1A-8933-263129D2AF90}" type="datetimeFigureOut">
               <a:rPr lang="en-US" dirty="0"/>
-              <a:t>1/9/25</a:t>
+              <a:t>1/11/2025</a:t>
             </a:fld>
             <a:endParaRPr lang="en-US" dirty="0"/>
           </a:p>
@@ -1688,7 +1738,7 @@
           <a:p>
             <a:fld id="{C764DE79-268F-4C1A-8933-263129D2AF90}" type="datetimeFigureOut">
               <a:rPr lang="en-US" dirty="0"/>
-              <a:t>1/9/25</a:t>
+              <a:t>1/11/2025</a:t>
             </a:fld>
             <a:endParaRPr lang="en-US" dirty="0"/>
           </a:p>
@@ -1778,7 +1828,7 @@
           <a:p>
             <a:fld id="{C764DE79-268F-4C1A-8933-263129D2AF90}" type="datetimeFigureOut">
               <a:rPr lang="en-US" dirty="0"/>
-              <a:t>1/9/25</a:t>
+              <a:t>1/11/2025</a:t>
             </a:fld>
             <a:endParaRPr lang="en-US" dirty="0"/>
           </a:p>
@@ -2050,7 +2100,7 @@
           <a:p>
             <a:fld id="{C764DE79-268F-4C1A-8933-263129D2AF90}" type="datetimeFigureOut">
               <a:rPr lang="en-US" dirty="0"/>
-              <a:t>1/9/25</a:t>
+              <a:t>1/11/2025</a:t>
             </a:fld>
             <a:endParaRPr lang="en-US" dirty="0"/>
           </a:p>
@@ -2302,7 +2352,7 @@
           <a:p>
             <a:fld id="{C764DE79-268F-4C1A-8933-263129D2AF90}" type="datetimeFigureOut">
               <a:rPr lang="en-US" dirty="0"/>
-              <a:t>1/9/25</a:t>
+              <a:t>1/11/2025</a:t>
             </a:fld>
             <a:endParaRPr lang="en-US" dirty="0"/>
           </a:p>
@@ -2510,7 +2560,7 @@
           <a:p>
             <a:fld id="{C764DE79-268F-4C1A-8933-263129D2AF90}" type="datetimeFigureOut">
               <a:rPr lang="en-US" dirty="0"/>
-              <a:t>1/9/25</a:t>
+              <a:t>1/11/2025</a:t>
             </a:fld>
             <a:endParaRPr lang="en-US" dirty="0"/>
           </a:p>
@@ -3614,8 +3664,8 @@
         </p:nvSpPr>
         <p:spPr bwMode="auto">
           <a:xfrm>
-            <a:off x="710610" y="2118953"/>
-            <a:ext cx="7040526" cy="1154162"/>
+            <a:off x="710610" y="1418166"/>
+            <a:ext cx="7040526" cy="2560701"/>
           </a:xfrm>
           <a:prstGeom prst="rect">
             <a:avLst/>
@@ -3707,7 +3757,7 @@
             </a:r>
           </a:p>
           <a:p>
-            <a:pPr marL="0" marR="0" lvl="0" indent="0" algn="l" defTabSz="914400" rtl="0" eaLnBrk="0" fontAlgn="base" latinLnBrk="0" hangingPunct="0">
+            <a:pPr marL="0" marR="0" lvl="0" indent="0" algn="l" defTabSz="914400">
               <a:lnSpc>
                 <a:spcPct val="100000"/>
               </a:lnSpc>
@@ -3725,34 +3775,202 @@
             </a:pPr>
             <a:endParaRPr lang="en-US" altLang="fr-FR" sz="1800" dirty="0">
               <a:latin typeface="Arial" panose="020B0604020202020204" pitchFamily="34" charset="0"/>
+              <a:cs typeface="Arial"/>
             </a:endParaRPr>
           </a:p>
           <a:p>
-            <a:pPr marL="0" marR="0" lvl="0" indent="0" algn="l" defTabSz="914400" rtl="0" eaLnBrk="0" fontAlgn="base" latinLnBrk="0" hangingPunct="0">
-              <a:lnSpc>
-                <a:spcPct val="100000"/>
-              </a:lnSpc>
-              <a:spcBef>
-                <a:spcPct val="0"/>
-              </a:spcBef>
-              <a:spcAft>
-                <a:spcPct val="0"/>
-              </a:spcAft>
-              <a:buClrTx/>
-              <a:buSzTx/>
-              <a:buFontTx/>
-              <a:buNone/>
-              <a:tabLst/>
+            <a:pPr>
+              <a:buNone/>
             </a:pPr>
-            <a:endParaRPr kumimoji="0" lang="en-US" altLang="fr-FR" sz="1800" b="0" i="0" u="none" strike="noStrike" cap="none" normalizeH="0" baseline="0" dirty="0">
-              <a:ln>
-                <a:noFill/>
-              </a:ln>
+            <a:r>
+              <a:rPr lang="en-US" sz="1100" dirty="0">
+                <a:solidFill>
+                  <a:srgbClr val="CCCCCC"/>
+                </a:solidFill>
+                <a:latin typeface="Consolas"/>
+                <a:ea typeface="+mn-lt"/>
+                <a:cs typeface="+mn-lt"/>
+              </a:rPr>
+              <a:t>package main</a:t>
+            </a:r>
+            <a:endParaRPr lang="en-US">
+              <a:latin typeface="Consolas"/>
+            </a:endParaRPr>
+          </a:p>
+          <a:p>
+            <a:pPr>
+              <a:buNone/>
+            </a:pPr>
+            <a:r>
+              <a:rPr lang="en-US" sz="1100" dirty="0">
+                <a:solidFill>
+                  <a:srgbClr val="CCCCCC"/>
+                </a:solidFill>
+                <a:latin typeface="Consolas"/>
+                <a:ea typeface="+mn-lt"/>
+                <a:cs typeface="+mn-lt"/>
+              </a:rPr>
+              <a:t>import "github.com/</a:t>
+            </a:r>
+            <a:r>
+              <a:rPr lang="en-US" sz="1100" err="1">
+                <a:solidFill>
+                  <a:srgbClr val="CCCCCC"/>
+                </a:solidFill>
+                <a:latin typeface="Consolas"/>
+                <a:ea typeface="+mn-lt"/>
+                <a:cs typeface="+mn-lt"/>
+              </a:rPr>
+              <a:t>sacquatella</a:t>
+            </a:r>
+            <a:r>
+              <a:rPr lang="en-US" sz="1100" dirty="0">
+                <a:solidFill>
+                  <a:srgbClr val="CCCCCC"/>
+                </a:solidFill>
+                <a:latin typeface="Consolas"/>
+                <a:ea typeface="+mn-lt"/>
+                <a:cs typeface="+mn-lt"/>
+              </a:rPr>
+              <a:t>/</a:t>
+            </a:r>
+            <a:r>
+              <a:rPr lang="en-US" sz="1100" err="1">
+                <a:solidFill>
+                  <a:srgbClr val="CCCCCC"/>
+                </a:solidFill>
+                <a:latin typeface="Consolas"/>
+                <a:ea typeface="+mn-lt"/>
+                <a:cs typeface="+mn-lt"/>
+              </a:rPr>
+              <a:t>tomd</a:t>
+            </a:r>
+            <a:r>
+              <a:rPr lang="en-US" sz="1100" dirty="0">
+                <a:solidFill>
+                  <a:srgbClr val="CCCCCC"/>
+                </a:solidFill>
+                <a:latin typeface="Consolas"/>
+                <a:ea typeface="+mn-lt"/>
+                <a:cs typeface="+mn-lt"/>
+              </a:rPr>
+              <a:t>/</a:t>
+            </a:r>
+            <a:r>
+              <a:rPr lang="en-US" sz="1100" err="1">
+                <a:solidFill>
+                  <a:srgbClr val="CCCCCC"/>
+                </a:solidFill>
+                <a:latin typeface="Consolas"/>
+                <a:ea typeface="+mn-lt"/>
+                <a:cs typeface="+mn-lt"/>
+              </a:rPr>
+              <a:t>cmd</a:t>
+            </a:r>
+            <a:r>
+              <a:rPr lang="en-US" sz="1100" dirty="0">
+                <a:solidFill>
+                  <a:srgbClr val="CCCCCC"/>
+                </a:solidFill>
+                <a:latin typeface="Consolas"/>
+                <a:ea typeface="+mn-lt"/>
+                <a:cs typeface="+mn-lt"/>
+              </a:rPr>
+              <a:t>"</a:t>
+            </a:r>
+            <a:endParaRPr lang="en-US">
+              <a:latin typeface="Consolas"/>
+            </a:endParaRPr>
+          </a:p>
+          <a:p>
+            <a:pPr>
+              <a:buNone/>
+            </a:pPr>
+            <a:r>
+              <a:rPr lang="en-US" sz="1100" err="1">
+                <a:solidFill>
+                  <a:srgbClr val="CCCCCC"/>
+                </a:solidFill>
+                <a:latin typeface="Consolas"/>
+                <a:ea typeface="+mn-lt"/>
+                <a:cs typeface="+mn-lt"/>
+              </a:rPr>
+              <a:t>func</a:t>
+            </a:r>
+            <a:r>
+              <a:rPr lang="en-US" sz="1100" dirty="0">
+                <a:solidFill>
+                  <a:srgbClr val="CCCCCC"/>
+                </a:solidFill>
+                <a:latin typeface="Consolas"/>
+                <a:ea typeface="+mn-lt"/>
+                <a:cs typeface="+mn-lt"/>
+              </a:rPr>
+              <a:t> main() {</a:t>
+            </a:r>
+            <a:endParaRPr lang="en-US">
+              <a:latin typeface="Consolas"/>
+            </a:endParaRPr>
+          </a:p>
+          <a:p>
+            <a:pPr>
+              <a:buNone/>
+            </a:pPr>
+            <a:r>
+              <a:rPr lang="en-US" sz="1100" err="1">
+                <a:solidFill>
+                  <a:srgbClr val="CCCCCC"/>
+                </a:solidFill>
+                <a:latin typeface="Consolas"/>
+                <a:ea typeface="+mn-lt"/>
+                <a:cs typeface="+mn-lt"/>
+              </a:rPr>
+              <a:t>cmd.Execute</a:t>
+            </a:r>
+            <a:r>
+              <a:rPr lang="en-US" sz="1100" dirty="0">
+                <a:solidFill>
+                  <a:srgbClr val="CCCCCC"/>
+                </a:solidFill>
+                <a:latin typeface="Consolas"/>
+                <a:ea typeface="+mn-lt"/>
+                <a:cs typeface="+mn-lt"/>
+              </a:rPr>
+              <a:t>()</a:t>
+            </a:r>
+            <a:endParaRPr lang="en-US">
+              <a:latin typeface="Consolas"/>
+            </a:endParaRPr>
+          </a:p>
+          <a:p>
+            <a:pPr>
+              <a:buNone/>
+            </a:pPr>
+            <a:r>
+              <a:rPr lang="en-US" sz="1100" dirty="0">
+                <a:solidFill>
+                  <a:srgbClr val="CCCCCC"/>
+                </a:solidFill>
+                <a:latin typeface="Consolas"/>
+                <a:ea typeface="+mn-lt"/>
+                <a:cs typeface="+mn-lt"/>
+              </a:rPr>
+              <a:t>}</a:t>
+            </a:r>
+            <a:endParaRPr lang="en-US" dirty="0">
+              <a:latin typeface="Consolas"/>
+            </a:endParaRPr>
+          </a:p>
+          <a:p>
+            <a:pPr>
+              <a:buNone/>
+            </a:pPr>
+            <a:endParaRPr lang="en-US" sz="1100" dirty="0">
               <a:solidFill>
-                <a:schemeClr val="tx1"/>
+                <a:srgbClr val="CCCCCC"/>
               </a:solidFill>
-              <a:effectLst/>
-              <a:latin typeface="Arial" panose="020B0604020202020204" pitchFamily="34" charset="0"/>
+              <a:latin typeface="Consolas"/>
+              <a:ea typeface="Times New Roman" panose="02020603050405020304" pitchFamily="18" charset="0"/>
             </a:endParaRPr>
           </a:p>
           <a:p>
@@ -3801,7 +4019,7 @@
         </p:blipFill>
         <p:spPr>
           <a:xfrm>
-            <a:off x="710610" y="3817983"/>
+            <a:off x="841989" y="4593121"/>
             <a:ext cx="1879600" cy="1879600"/>
           </a:xfrm>
           <a:prstGeom prst="rect">

--- a/samples/test.pptx
+++ b/samples/test.pptx
@@ -8,6 +8,7 @@
     <p:sldId id="256" r:id="rId2"/>
     <p:sldId id="257" r:id="rId3"/>
     <p:sldId id="258" r:id="rId4"/>
+    <p:sldId id="259" r:id="rId5"/>
   </p:sldIdLst>
   <p:sldSz cx="12192000" cy="6858000"/>
   <p:notesSz cx="6858000" cy="9144000"/>
@@ -290,7 +291,7 @@
           <a:p>
             <a:fld id="{C764DE79-268F-4C1A-8933-263129D2AF90}" type="datetimeFigureOut">
               <a:rPr lang="en-US" dirty="0"/>
-              <a:t>1/11/2025</a:t>
+              <a:t>1/13/25</a:t>
             </a:fld>
             <a:endParaRPr lang="en-US" dirty="0"/>
           </a:p>
@@ -455,7 +456,7 @@
           <a:p>
             <a:fld id="{C764DE79-268F-4C1A-8933-263129D2AF90}" type="datetimeFigureOut">
               <a:rPr lang="en-US" dirty="0"/>
-              <a:t>1/11/2025</a:t>
+              <a:t>1/13/25</a:t>
             </a:fld>
             <a:endParaRPr lang="en-US" dirty="0"/>
           </a:p>
@@ -630,7 +631,7 @@
           <a:p>
             <a:fld id="{C764DE79-268F-4C1A-8933-263129D2AF90}" type="datetimeFigureOut">
               <a:rPr lang="en-US" dirty="0"/>
-              <a:t>1/11/2025</a:t>
+              <a:t>1/13/25</a:t>
             </a:fld>
             <a:endParaRPr lang="en-US" dirty="0"/>
           </a:p>
@@ -795,7 +796,7 @@
           <a:p>
             <a:fld id="{C764DE79-268F-4C1A-8933-263129D2AF90}" type="datetimeFigureOut">
               <a:rPr lang="en-US" dirty="0"/>
-              <a:t>1/11/2025</a:t>
+              <a:t>1/13/25</a:t>
             </a:fld>
             <a:endParaRPr lang="en-US" dirty="0"/>
           </a:p>
@@ -1036,7 +1037,7 @@
           <a:p>
             <a:fld id="{C764DE79-268F-4C1A-8933-263129D2AF90}" type="datetimeFigureOut">
               <a:rPr lang="en-US" dirty="0"/>
-              <a:t>1/11/2025</a:t>
+              <a:t>1/13/25</a:t>
             </a:fld>
             <a:endParaRPr lang="en-US" dirty="0"/>
           </a:p>
@@ -1263,7 +1264,7 @@
           <a:p>
             <a:fld id="{C764DE79-268F-4C1A-8933-263129D2AF90}" type="datetimeFigureOut">
               <a:rPr lang="en-US" dirty="0"/>
-              <a:t>1/11/2025</a:t>
+              <a:t>1/13/25</a:t>
             </a:fld>
             <a:endParaRPr lang="en-US" dirty="0"/>
           </a:p>
@@ -1625,7 +1626,7 @@
           <a:p>
             <a:fld id="{C764DE79-268F-4C1A-8933-263129D2AF90}" type="datetimeFigureOut">
               <a:rPr lang="en-US" dirty="0"/>
-              <a:t>1/11/2025</a:t>
+              <a:t>1/13/25</a:t>
             </a:fld>
             <a:endParaRPr lang="en-US" dirty="0"/>
           </a:p>
@@ -1738,7 +1739,7 @@
           <a:p>
             <a:fld id="{C764DE79-268F-4C1A-8933-263129D2AF90}" type="datetimeFigureOut">
               <a:rPr lang="en-US" dirty="0"/>
-              <a:t>1/11/2025</a:t>
+              <a:t>1/13/25</a:t>
             </a:fld>
             <a:endParaRPr lang="en-US" dirty="0"/>
           </a:p>
@@ -1828,7 +1829,7 @@
           <a:p>
             <a:fld id="{C764DE79-268F-4C1A-8933-263129D2AF90}" type="datetimeFigureOut">
               <a:rPr lang="en-US" dirty="0"/>
-              <a:t>1/11/2025</a:t>
+              <a:t>1/13/25</a:t>
             </a:fld>
             <a:endParaRPr lang="en-US" dirty="0"/>
           </a:p>
@@ -2100,7 +2101,7 @@
           <a:p>
             <a:fld id="{C764DE79-268F-4C1A-8933-263129D2AF90}" type="datetimeFigureOut">
               <a:rPr lang="en-US" dirty="0"/>
-              <a:t>1/11/2025</a:t>
+              <a:t>1/13/25</a:t>
             </a:fld>
             <a:endParaRPr lang="en-US" dirty="0"/>
           </a:p>
@@ -2352,7 +2353,7 @@
           <a:p>
             <a:fld id="{C764DE79-268F-4C1A-8933-263129D2AF90}" type="datetimeFigureOut">
               <a:rPr lang="en-US" dirty="0"/>
-              <a:t>1/11/2025</a:t>
+              <a:t>1/13/25</a:t>
             </a:fld>
             <a:endParaRPr lang="en-US" dirty="0"/>
           </a:p>
@@ -2560,7 +2561,7 @@
           <a:p>
             <a:fld id="{C764DE79-268F-4C1A-8933-263129D2AF90}" type="datetimeFigureOut">
               <a:rPr lang="en-US" dirty="0"/>
-              <a:t>1/11/2025</a:t>
+              <a:t>1/13/25</a:t>
             </a:fld>
             <a:endParaRPr lang="en-US" dirty="0"/>
           </a:p>
@@ -3148,7 +3149,12 @@
             <p:ph idx="1"/>
           </p:nvPr>
         </p:nvSpPr>
-        <p:spPr/>
+        <p:spPr>
+          <a:xfrm>
+            <a:off x="838200" y="1825625"/>
+            <a:ext cx="10515600" cy="1806337"/>
+          </a:xfrm>
+        </p:spPr>
         <p:txBody>
           <a:bodyPr/>
           <a:lstStyle/>
@@ -3519,7 +3525,7 @@
         <p:spPr>
           <a:xfrm>
             <a:off x="1039332" y="3631962"/>
-            <a:ext cx="6097772" cy="1200329"/>
+            <a:ext cx="6097772" cy="923330"/>
           </a:xfrm>
           <a:prstGeom prst="rect">
             <a:avLst/>
@@ -3573,18 +3579,56 @@
               </a:rPr>
               <a:t>Monlien</a:t>
             </a:r>
-            <a:endParaRPr lang="fr-FR" sz="1800" dirty="0">
+            <a:endParaRPr lang="fr-FR" sz="1800" u="sng" dirty="0">
+              <a:solidFill>
+                <a:srgbClr val="467886"/>
+              </a:solidFill>
               <a:effectLst/>
               <a:latin typeface="Times New Roman" panose="02020603050405020304" pitchFamily="18" charset="0"/>
               <a:ea typeface="Times New Roman" panose="02020603050405020304" pitchFamily="18" charset="0"/>
             </a:endParaRPr>
           </a:p>
-          <a:p>
-            <a:endParaRPr lang="fr-FR" sz="1800" b="1" dirty="0">
-              <a:effectLst/>
-              <a:latin typeface="Times New Roman" panose="02020603050405020304" pitchFamily="18" charset="0"/>
-              <a:ea typeface="Times New Roman" panose="02020603050405020304" pitchFamily="18" charset="0"/>
-            </a:endParaRPr>
+        </p:txBody>
+      </p:sp>
+      <p:sp>
+        <p:nvSpPr>
+          <p:cNvPr id="5" name="ZoneTexte 4">
+            <a:extLst>
+              <a:ext uri="{FF2B5EF4-FFF2-40B4-BE49-F238E27FC236}">
+                <a16:creationId xmlns:a16="http://schemas.microsoft.com/office/drawing/2014/main" id="{CAAE2B92-BCA5-DD95-E736-FA0181844CFD}"/>
+              </a:ext>
+            </a:extLst>
+          </p:cNvPr>
+          <p:cNvSpPr txBox="1"/>
+          <p:nvPr/>
+        </p:nvSpPr>
+        <p:spPr>
+          <a:xfrm>
+            <a:off x="1190847" y="5178056"/>
+            <a:ext cx="3074944" cy="369332"/>
+          </a:xfrm>
+          <a:prstGeom prst="rect">
+            <a:avLst/>
+          </a:prstGeom>
+          <a:noFill/>
+        </p:spPr>
+        <p:txBody>
+          <a:bodyPr wrap="none" rtlCol="0">
+            <a:spAutoFit/>
+          </a:bodyPr>
+          <a:lstStyle/>
+          <a:p>
+            <a:r>
+              <a:rPr lang="fr-FR" dirty="0"/>
+              <a:t>Autres liens : </a:t>
+            </a:r>
+            <a:r>
+              <a:rPr lang="fr-FR" dirty="0">
+                <a:hlinkClick r:id="rId3"/>
+              </a:rPr>
+              <a:t>Liens Wikipédia</a:t>
+            </a:r>
+            <a:endParaRPr lang="fr-FR" dirty="0"/>
           </a:p>
         </p:txBody>
       </p:sp>
@@ -4031,6 +4075,160 @@
     <p:extLst>
       <p:ext uri="{BB962C8B-B14F-4D97-AF65-F5344CB8AC3E}">
         <p14:creationId xmlns:p14="http://schemas.microsoft.com/office/powerpoint/2010/main" val="102119361"/>
+      </p:ext>
+    </p:extLst>
+  </p:cSld>
+  <p:clrMapOvr>
+    <a:masterClrMapping/>
+  </p:clrMapOvr>
+</p:sld>
+</file>
+
+<file path=ppt/slides/slide4.xml><?xml version="1.0" encoding="utf-8"?>
+<p:sld xmlns:a="http://schemas.openxmlformats.org/drawingml/2006/main" xmlns:r="http://schemas.openxmlformats.org/officeDocument/2006/relationships" xmlns:p="http://schemas.openxmlformats.org/presentationml/2006/main">
+  <p:cSld>
+    <p:spTree>
+      <p:nvGrpSpPr>
+        <p:cNvPr id="1" name=""/>
+        <p:cNvGrpSpPr/>
+        <p:nvPr/>
+      </p:nvGrpSpPr>
+      <p:grpSpPr>
+        <a:xfrm>
+          <a:off x="0" y="0"/>
+          <a:ext cx="0" cy="0"/>
+          <a:chOff x="0" y="0"/>
+          <a:chExt cx="0" cy="0"/>
+        </a:xfrm>
+      </p:grpSpPr>
+      <p:sp>
+        <p:nvSpPr>
+          <p:cNvPr id="2" name="Titre 1">
+            <a:extLst>
+              <a:ext uri="{FF2B5EF4-FFF2-40B4-BE49-F238E27FC236}">
+                <a16:creationId xmlns:a16="http://schemas.microsoft.com/office/drawing/2014/main" id="{FA92B546-960F-6861-CD7E-97E33944F64B}"/>
+              </a:ext>
+            </a:extLst>
+          </p:cNvPr>
+          <p:cNvSpPr>
+            <a:spLocks noGrp="1"/>
+          </p:cNvSpPr>
+          <p:nvPr>
+            <p:ph type="title"/>
+          </p:nvPr>
+        </p:nvSpPr>
+        <p:spPr/>
+        <p:txBody>
+          <a:bodyPr/>
+          <a:lstStyle/>
+          <a:p>
+            <a:r>
+              <a:rPr lang="fr-FR" dirty="0"/>
+              <a:t>Textes</a:t>
+            </a:r>
+          </a:p>
+        </p:txBody>
+      </p:sp>
+      <p:sp>
+        <p:nvSpPr>
+          <p:cNvPr id="3" name="Espace réservé du contenu 2">
+            <a:extLst>
+              <a:ext uri="{FF2B5EF4-FFF2-40B4-BE49-F238E27FC236}">
+                <a16:creationId xmlns:a16="http://schemas.microsoft.com/office/drawing/2014/main" id="{F3FCA995-2DE3-9D18-3819-4E1B66495CB4}"/>
+              </a:ext>
+            </a:extLst>
+          </p:cNvPr>
+          <p:cNvSpPr>
+            <a:spLocks noGrp="1"/>
+          </p:cNvSpPr>
+          <p:nvPr>
+            <p:ph idx="1"/>
+          </p:nvPr>
+        </p:nvSpPr>
+        <p:spPr/>
+        <p:txBody>
+          <a:bodyPr/>
+          <a:lstStyle/>
+          <a:p>
+            <a:pPr marL="0" indent="0">
+              <a:buNone/>
+            </a:pPr>
+            <a:r>
+              <a:rPr lang="fr-FR" b="1" dirty="0"/>
+              <a:t>Texte en Gras</a:t>
+            </a:r>
+          </a:p>
+          <a:p>
+            <a:pPr marL="0" indent="0">
+              <a:buNone/>
+            </a:pPr>
+            <a:r>
+              <a:rPr lang="fr-FR" i="1" dirty="0"/>
+              <a:t>Texte en Italique</a:t>
+            </a:r>
+          </a:p>
+          <a:p>
+            <a:pPr marL="0" indent="0">
+              <a:buNone/>
+            </a:pPr>
+            <a:r>
+              <a:rPr lang="fr-FR" u="sng" dirty="0"/>
+              <a:t>Texte souligné</a:t>
+            </a:r>
+          </a:p>
+          <a:p>
+            <a:pPr marL="0" indent="0">
+              <a:buNone/>
+            </a:pPr>
+            <a:endParaRPr lang="fr-FR" u="sng" dirty="0"/>
+          </a:p>
+          <a:p>
+            <a:pPr marL="0" indent="0">
+              <a:buNone/>
+            </a:pPr>
+            <a:r>
+              <a:rPr lang="fr-FR" u="sng" dirty="0"/>
+              <a:t>Bullet:</a:t>
+            </a:r>
+          </a:p>
+          <a:p>
+            <a:r>
+              <a:rPr lang="fr-FR" u="sng" dirty="0"/>
+              <a:t>One</a:t>
+            </a:r>
+          </a:p>
+          <a:p>
+            <a:r>
+              <a:rPr lang="fr-FR" u="sng" dirty="0" err="1"/>
+              <a:t>Two</a:t>
+            </a:r>
+            <a:endParaRPr lang="fr-FR" u="sng" dirty="0"/>
+          </a:p>
+          <a:p>
+            <a:r>
+              <a:rPr lang="fr-FR" u="sng" dirty="0" err="1"/>
+              <a:t>Three</a:t>
+            </a:r>
+            <a:endParaRPr lang="fr-FR" u="sng" dirty="0"/>
+          </a:p>
+          <a:p>
+            <a:pPr marL="0" indent="0">
+              <a:buNone/>
+            </a:pPr>
+            <a:endParaRPr lang="fr-FR" u="sng" dirty="0"/>
+          </a:p>
+          <a:p>
+            <a:pPr marL="0" indent="0">
+              <a:buNone/>
+            </a:pPr>
+            <a:endParaRPr lang="fr-FR" u="sng" dirty="0"/>
+          </a:p>
+        </p:txBody>
+      </p:sp>
+    </p:spTree>
+    <p:extLst>
+      <p:ext uri="{BB962C8B-B14F-4D97-AF65-F5344CB8AC3E}">
+        <p14:creationId xmlns:p14="http://schemas.microsoft.com/office/powerpoint/2010/main" val="3650694820"/>
       </p:ext>
     </p:extLst>
   </p:cSld>
